--- a/BINP/BINP.pptx
+++ b/BINP/BINP.pptx
@@ -115,7 +115,7 @@
   </p:defaultTextStyle>
   <p:extLst>
     <p:ext uri="{EFAFB233-063F-42B5-8137-9DF3F51BA10A}">
-      <p15:sldGuideLst xmlns:p15="http://schemas.microsoft.com/office/powerpoint/2012/main">
+      <p15:sldGuideLst xmlns:p15="http://schemas.microsoft.com/office/powerpoint/2012/main" xmlns="">
         <p15:guide id="1" orient="horz" pos="2160">
           <p15:clr>
             <a:srgbClr val="A4A3A4"/>
@@ -854,7 +854,7 @@
           <a:p>
             <a:fld id="{252F7152-2E34-4CF8-96E1-9C0B6BE1AFF1}" type="datetimeFigureOut">
               <a:rPr lang="ru-RU" smtClean="0"/>
-              <a:t>08.05.2015</a:t>
+              <a:t>13.05.2015</a:t>
             </a:fld>
             <a:endParaRPr lang="ru-RU"/>
           </a:p>
@@ -1105,7 +1105,7 @@
           <a:p>
             <a:fld id="{252F7152-2E34-4CF8-96E1-9C0B6BE1AFF1}" type="datetimeFigureOut">
               <a:rPr lang="ru-RU" smtClean="0"/>
-              <a:t>08.05.2015</a:t>
+              <a:t>13.05.2015</a:t>
             </a:fld>
             <a:endParaRPr lang="ru-RU"/>
           </a:p>
@@ -1419,7 +1419,7 @@
           <a:p>
             <a:fld id="{252F7152-2E34-4CF8-96E1-9C0B6BE1AFF1}" type="datetimeFigureOut">
               <a:rPr lang="ru-RU" smtClean="0"/>
-              <a:t>08.05.2015</a:t>
+              <a:t>13.05.2015</a:t>
             </a:fld>
             <a:endParaRPr lang="ru-RU"/>
           </a:p>
@@ -1760,7 +1760,7 @@
           <a:p>
             <a:fld id="{252F7152-2E34-4CF8-96E1-9C0B6BE1AFF1}" type="datetimeFigureOut">
               <a:rPr lang="ru-RU" smtClean="0"/>
-              <a:t>08.05.2015</a:t>
+              <a:t>13.05.2015</a:t>
             </a:fld>
             <a:endParaRPr lang="ru-RU"/>
           </a:p>
@@ -2074,7 +2074,7 @@
           <a:p>
             <a:fld id="{252F7152-2E34-4CF8-96E1-9C0B6BE1AFF1}" type="datetimeFigureOut">
               <a:rPr lang="ru-RU" smtClean="0"/>
-              <a:t>08.05.2015</a:t>
+              <a:t>13.05.2015</a:t>
             </a:fld>
             <a:endParaRPr lang="ru-RU"/>
           </a:p>
@@ -2467,7 +2467,7 @@
           <a:p>
             <a:fld id="{252F7152-2E34-4CF8-96E1-9C0B6BE1AFF1}" type="datetimeFigureOut">
               <a:rPr lang="ru-RU" smtClean="0"/>
-              <a:t>08.05.2015</a:t>
+              <a:t>13.05.2015</a:t>
             </a:fld>
             <a:endParaRPr lang="ru-RU"/>
           </a:p>
@@ -2637,7 +2637,7 @@
           <a:p>
             <a:fld id="{252F7152-2E34-4CF8-96E1-9C0B6BE1AFF1}" type="datetimeFigureOut">
               <a:rPr lang="ru-RU" smtClean="0"/>
-              <a:t>08.05.2015</a:t>
+              <a:t>13.05.2015</a:t>
             </a:fld>
             <a:endParaRPr lang="ru-RU"/>
           </a:p>
@@ -2817,7 +2817,7 @@
           <a:p>
             <a:fld id="{252F7152-2E34-4CF8-96E1-9C0B6BE1AFF1}" type="datetimeFigureOut">
               <a:rPr lang="ru-RU" smtClean="0"/>
-              <a:t>08.05.2015</a:t>
+              <a:t>13.05.2015</a:t>
             </a:fld>
             <a:endParaRPr lang="ru-RU"/>
           </a:p>
@@ -2993,7 +2993,7 @@
           <a:p>
             <a:fld id="{252F7152-2E34-4CF8-96E1-9C0B6BE1AFF1}" type="datetimeFigureOut">
               <a:rPr lang="ru-RU" smtClean="0"/>
-              <a:t>08.05.2015</a:t>
+              <a:t>13.05.2015</a:t>
             </a:fld>
             <a:endParaRPr lang="ru-RU"/>
           </a:p>
@@ -3240,7 +3240,7 @@
           <a:p>
             <a:fld id="{252F7152-2E34-4CF8-96E1-9C0B6BE1AFF1}" type="datetimeFigureOut">
               <a:rPr lang="ru-RU" smtClean="0"/>
-              <a:t>08.05.2015</a:t>
+              <a:t>13.05.2015</a:t>
             </a:fld>
             <a:endParaRPr lang="ru-RU"/>
           </a:p>
@@ -3472,7 +3472,7 @@
           <a:p>
             <a:fld id="{252F7152-2E34-4CF8-96E1-9C0B6BE1AFF1}" type="datetimeFigureOut">
               <a:rPr lang="ru-RU" smtClean="0"/>
-              <a:t>08.05.2015</a:t>
+              <a:t>13.05.2015</a:t>
             </a:fld>
             <a:endParaRPr lang="ru-RU"/>
           </a:p>
@@ -3846,7 +3846,7 @@
           <a:p>
             <a:fld id="{252F7152-2E34-4CF8-96E1-9C0B6BE1AFF1}" type="datetimeFigureOut">
               <a:rPr lang="ru-RU" smtClean="0"/>
-              <a:t>08.05.2015</a:t>
+              <a:t>13.05.2015</a:t>
             </a:fld>
             <a:endParaRPr lang="ru-RU"/>
           </a:p>
@@ -3969,7 +3969,7 @@
           <a:p>
             <a:fld id="{252F7152-2E34-4CF8-96E1-9C0B6BE1AFF1}" type="datetimeFigureOut">
               <a:rPr lang="ru-RU" smtClean="0"/>
-              <a:t>08.05.2015</a:t>
+              <a:t>13.05.2015</a:t>
             </a:fld>
             <a:endParaRPr lang="ru-RU"/>
           </a:p>
@@ -4064,7 +4064,7 @@
           <a:p>
             <a:fld id="{252F7152-2E34-4CF8-96E1-9C0B6BE1AFF1}" type="datetimeFigureOut">
               <a:rPr lang="ru-RU" smtClean="0"/>
-              <a:t>08.05.2015</a:t>
+              <a:t>13.05.2015</a:t>
             </a:fld>
             <a:endParaRPr lang="ru-RU"/>
           </a:p>
@@ -4319,7 +4319,7 @@
           <a:p>
             <a:fld id="{252F7152-2E34-4CF8-96E1-9C0B6BE1AFF1}" type="datetimeFigureOut">
               <a:rPr lang="ru-RU" smtClean="0"/>
-              <a:t>08.05.2015</a:t>
+              <a:t>13.05.2015</a:t>
             </a:fld>
             <a:endParaRPr lang="ru-RU"/>
           </a:p>
@@ -4582,7 +4582,7 @@
           <a:p>
             <a:fld id="{252F7152-2E34-4CF8-96E1-9C0B6BE1AFF1}" type="datetimeFigureOut">
               <a:rPr lang="ru-RU" smtClean="0"/>
-              <a:t>08.05.2015</a:t>
+              <a:t>13.05.2015</a:t>
             </a:fld>
             <a:endParaRPr lang="ru-RU"/>
           </a:p>
@@ -5325,7 +5325,7 @@
           <a:p>
             <a:fld id="{252F7152-2E34-4CF8-96E1-9C0B6BE1AFF1}" type="datetimeFigureOut">
               <a:rPr lang="ru-RU" smtClean="0"/>
-              <a:t>08.05.2015</a:t>
+              <a:t>13.05.2015</a:t>
             </a:fld>
             <a:endParaRPr lang="ru-RU"/>
           </a:p>
@@ -5945,19 +5945,11 @@
             </a:r>
             <a:r>
               <a:rPr lang="en-US" b="1" i="1" dirty="0" smtClean="0"/>
-              <a:t>Physics, </a:t>
-            </a:r>
-            <a:r>
-              <a:rPr lang="en-US" b="1" i="1" dirty="0" smtClean="0"/>
-              <a:t>8</a:t>
+              <a:t>Physics, 8</a:t>
             </a:r>
             <a:r>
               <a:rPr lang="en-US" dirty="0" smtClean="0"/>
-              <a:t> May </a:t>
-            </a:r>
-            <a:r>
-              <a:rPr lang="en-US" dirty="0" smtClean="0"/>
-              <a:t>2015</a:t>
+              <a:t> May 2015</a:t>
             </a:r>
           </a:p>
           <a:p>
@@ -6119,16 +6111,11 @@
               <a:rPr lang="en-US" dirty="0" smtClean="0"/>
               <a:t>Biography</a:t>
             </a:r>
-            <a:endParaRPr lang="en-US" dirty="0" smtClean="0"/>
           </a:p>
           <a:p>
             <a:r>
               <a:rPr lang="en-US" dirty="0" smtClean="0"/>
-              <a:t>Concluding </a:t>
-            </a:r>
-            <a:r>
-              <a:rPr lang="en-US" dirty="0" smtClean="0"/>
-              <a:t>comments</a:t>
+              <a:t>Concluding comments</a:t>
             </a:r>
           </a:p>
         </p:txBody>
@@ -6886,7 +6873,19 @@
             </a:r>
             <a:r>
               <a:rPr lang="en-US" sz="1400" dirty="0" smtClean="0"/>
-              <a:t>offers the </a:t>
+              <a:t>offer</a:t>
+            </a:r>
+            <a:r>
+              <a:rPr lang="en-US" sz="1400" dirty="0" smtClean="0"/>
+              <a:t>ed</a:t>
+            </a:r>
+            <a:r>
+              <a:rPr lang="en-US" sz="1400" dirty="0" smtClean="0"/>
+              <a:t> </a:t>
+            </a:r>
+            <a:r>
+              <a:rPr lang="en-US" sz="1400" dirty="0" smtClean="0"/>
+              <a:t>the </a:t>
             </a:r>
             <a:r>
               <a:rPr lang="en-US" sz="1400" dirty="0"/>
@@ -7828,7 +7827,7 @@
   <a:extraClrSchemeLst/>
   <a:extLst>
     <a:ext uri="{05A4C25C-085E-4340-85A3-A5531E510DB2}">
-      <thm15:themeFamily xmlns:thm15="http://schemas.microsoft.com/office/thememl/2012/main" name="Facet" id="{C0C680CD-088A-49FC-A102-D699147F32B2}" vid="{CFBC31BA-B70F-4F30-BCAA-4F3011E16C4D}"/>
+      <thm15:themeFamily xmlns:thm15="http://schemas.microsoft.com/office/thememl/2012/main" xmlns="" name="Facet" id="{C0C680CD-088A-49FC-A102-D699147F32B2}" vid="{CFBC31BA-B70F-4F30-BCAA-4F3011E16C4D}"/>
     </a:ext>
   </a:extLst>
 </a:theme>
